--- a/Chapitre_01_Energetique/TD_01_Prehenseur/images/Figures.pptx
+++ b/Chapitre_01_Energetique/TD_01_Prehenseur/images/Figures.pptx
@@ -296,7 +296,7 @@
           <a:p>
             <a:fld id="{AA309A6D-C09C-4548-B29A-6CF363A7E532}" type="datetimeFigureOut">
               <a:rPr lang="fr-FR" smtClean="0"/>
-              <a:t>14/04/2018</a:t>
+              <a:t>15/04/2018</a:t>
             </a:fld>
             <a:endParaRPr lang="fr-BE"/>
           </a:p>
@@ -461,7 +461,7 @@
           <a:p>
             <a:fld id="{AA309A6D-C09C-4548-B29A-6CF363A7E532}" type="datetimeFigureOut">
               <a:rPr lang="fr-FR" smtClean="0"/>
-              <a:t>14/04/2018</a:t>
+              <a:t>15/04/2018</a:t>
             </a:fld>
             <a:endParaRPr lang="fr-BE"/>
           </a:p>
@@ -636,7 +636,7 @@
           <a:p>
             <a:fld id="{AA309A6D-C09C-4548-B29A-6CF363A7E532}" type="datetimeFigureOut">
               <a:rPr lang="fr-FR" smtClean="0"/>
-              <a:t>14/04/2018</a:t>
+              <a:t>15/04/2018</a:t>
             </a:fld>
             <a:endParaRPr lang="fr-BE"/>
           </a:p>
@@ -801,7 +801,7 @@
           <a:p>
             <a:fld id="{AA309A6D-C09C-4548-B29A-6CF363A7E532}" type="datetimeFigureOut">
               <a:rPr lang="fr-FR" smtClean="0"/>
-              <a:t>14/04/2018</a:t>
+              <a:t>15/04/2018</a:t>
             </a:fld>
             <a:endParaRPr lang="fr-BE"/>
           </a:p>
@@ -1042,7 +1042,7 @@
           <a:p>
             <a:fld id="{AA309A6D-C09C-4548-B29A-6CF363A7E532}" type="datetimeFigureOut">
               <a:rPr lang="fr-FR" smtClean="0"/>
-              <a:t>14/04/2018</a:t>
+              <a:t>15/04/2018</a:t>
             </a:fld>
             <a:endParaRPr lang="fr-BE"/>
           </a:p>
@@ -1325,7 +1325,7 @@
           <a:p>
             <a:fld id="{AA309A6D-C09C-4548-B29A-6CF363A7E532}" type="datetimeFigureOut">
               <a:rPr lang="fr-FR" smtClean="0"/>
-              <a:t>14/04/2018</a:t>
+              <a:t>15/04/2018</a:t>
             </a:fld>
             <a:endParaRPr lang="fr-BE"/>
           </a:p>
@@ -1742,7 +1742,7 @@
           <a:p>
             <a:fld id="{AA309A6D-C09C-4548-B29A-6CF363A7E532}" type="datetimeFigureOut">
               <a:rPr lang="fr-FR" smtClean="0"/>
-              <a:t>14/04/2018</a:t>
+              <a:t>15/04/2018</a:t>
             </a:fld>
             <a:endParaRPr lang="fr-BE"/>
           </a:p>
@@ -1855,7 +1855,7 @@
           <a:p>
             <a:fld id="{AA309A6D-C09C-4548-B29A-6CF363A7E532}" type="datetimeFigureOut">
               <a:rPr lang="fr-FR" smtClean="0"/>
-              <a:t>14/04/2018</a:t>
+              <a:t>15/04/2018</a:t>
             </a:fld>
             <a:endParaRPr lang="fr-BE"/>
           </a:p>
@@ -1945,7 +1945,7 @@
           <a:p>
             <a:fld id="{AA309A6D-C09C-4548-B29A-6CF363A7E532}" type="datetimeFigureOut">
               <a:rPr lang="fr-FR" smtClean="0"/>
-              <a:t>14/04/2018</a:t>
+              <a:t>15/04/2018</a:t>
             </a:fld>
             <a:endParaRPr lang="fr-BE"/>
           </a:p>
@@ -2217,7 +2217,7 @@
           <a:p>
             <a:fld id="{AA309A6D-C09C-4548-B29A-6CF363A7E532}" type="datetimeFigureOut">
               <a:rPr lang="fr-FR" smtClean="0"/>
-              <a:t>14/04/2018</a:t>
+              <a:t>15/04/2018</a:t>
             </a:fld>
             <a:endParaRPr lang="fr-BE"/>
           </a:p>
@@ -2465,7 +2465,7 @@
           <a:p>
             <a:fld id="{AA309A6D-C09C-4548-B29A-6CF363A7E532}" type="datetimeFigureOut">
               <a:rPr lang="fr-FR" smtClean="0"/>
-              <a:t>14/04/2018</a:t>
+              <a:t>15/04/2018</a:t>
             </a:fld>
             <a:endParaRPr lang="fr-BE"/>
           </a:p>
@@ -2673,7 +2673,7 @@
           <a:p>
             <a:fld id="{AA309A6D-C09C-4548-B29A-6CF363A7E532}" type="datetimeFigureOut">
               <a:rPr lang="fr-FR" smtClean="0"/>
-              <a:t>14/04/2018</a:t>
+              <a:t>15/04/2018</a:t>
             </a:fld>
             <a:endParaRPr lang="fr-BE"/>
           </a:p>
@@ -12876,8 +12876,8 @@
           </a:fontRef>
         </p:style>
       </p:cxnSp>
-      <mc:AlternateContent xmlns:mc="http://schemas.openxmlformats.org/markup-compatibility/2006">
-        <mc:Choice xmlns:a14="http://schemas.microsoft.com/office/drawing/2010/main" Requires="a14">
+      <mc:AlternateContent xmlns:mc="http://schemas.openxmlformats.org/markup-compatibility/2006" xmlns:a14="http://schemas.microsoft.com/office/drawing/2010/main">
+        <mc:Choice Requires="a14">
           <p:sp>
             <p:nvSpPr>
               <p:cNvPr id="31" name="ZoneTexte 30"/>
@@ -12954,7 +12954,7 @@
             </p:txBody>
           </p:sp>
         </mc:Choice>
-        <mc:Fallback>
+        <mc:Fallback xmlns="">
           <p:sp>
             <p:nvSpPr>
               <p:cNvPr id="31" name="ZoneTexte 30"/>
@@ -12993,8 +12993,8 @@
           </p:sp>
         </mc:Fallback>
       </mc:AlternateContent>
-      <mc:AlternateContent xmlns:mc="http://schemas.openxmlformats.org/markup-compatibility/2006">
-        <mc:Choice xmlns:a14="http://schemas.microsoft.com/office/drawing/2010/main" Requires="a14">
+      <mc:AlternateContent xmlns:mc="http://schemas.openxmlformats.org/markup-compatibility/2006" xmlns:a14="http://schemas.microsoft.com/office/drawing/2010/main">
+        <mc:Choice Requires="a14">
           <p:sp>
             <p:nvSpPr>
               <p:cNvPr id="37" name="Rectangle 36"/>
@@ -13089,7 +13089,7 @@
             </p:txBody>
           </p:sp>
         </mc:Choice>
-        <mc:Fallback>
+        <mc:Fallback xmlns="">
           <p:sp>
             <p:nvSpPr>
               <p:cNvPr id="37" name="Rectangle 36"/>
@@ -13128,8 +13128,8 @@
           </p:sp>
         </mc:Fallback>
       </mc:AlternateContent>
-      <mc:AlternateContent xmlns:mc="http://schemas.openxmlformats.org/markup-compatibility/2006">
-        <mc:Choice xmlns:a14="http://schemas.microsoft.com/office/drawing/2010/main" Requires="a14">
+      <mc:AlternateContent xmlns:mc="http://schemas.openxmlformats.org/markup-compatibility/2006" xmlns:a14="http://schemas.microsoft.com/office/drawing/2010/main">
+        <mc:Choice Requires="a14">
           <p:sp>
             <p:nvSpPr>
               <p:cNvPr id="41" name="ZoneTexte 40"/>
@@ -13206,7 +13206,7 @@
             </p:txBody>
           </p:sp>
         </mc:Choice>
-        <mc:Fallback>
+        <mc:Fallback xmlns="">
           <p:sp>
             <p:nvSpPr>
               <p:cNvPr id="41" name="ZoneTexte 40"/>
@@ -13435,14 +13435,14 @@
             <a:avLst/>
           </a:prstGeom>
           <a:solidFill>
-            <a:schemeClr val="accent4">
+            <a:schemeClr val="accent2">
               <a:lumMod val="20000"/>
               <a:lumOff val="80000"/>
             </a:schemeClr>
           </a:solidFill>
           <a:ln w="19050">
             <a:solidFill>
-              <a:schemeClr val="accent4"/>
+              <a:schemeClr val="accent2"/>
             </a:solidFill>
           </a:ln>
         </p:spPr>
@@ -13470,22 +13470,14 @@
             <a:r>
               <a:rPr lang="fr-FR" sz="1400" b="1" dirty="0" smtClean="0">
                 <a:solidFill>
-                  <a:schemeClr val="accent4"/>
+                  <a:schemeClr val="accent2"/>
                 </a:solidFill>
               </a:rPr>
-              <a:t>1</a:t>
-            </a:r>
-            <a:r>
-              <a:rPr lang="fr-FR" sz="1400" b="1" baseline="-25000" dirty="0" smtClean="0">
-                <a:solidFill>
-                  <a:schemeClr val="accent4"/>
-                </a:solidFill>
-              </a:rPr>
-              <a:t>c</a:t>
+              <a:t>2</a:t>
             </a:r>
             <a:endParaRPr lang="fr-FR" sz="1400" b="1" baseline="-25000" dirty="0">
               <a:solidFill>
-                <a:schemeClr val="accent4"/>
+                <a:schemeClr val="accent2"/>
               </a:solidFill>
             </a:endParaRPr>
           </a:p>
@@ -13598,8 +13590,8 @@
           </a:fontRef>
         </p:style>
       </p:cxnSp>
-      <mc:AlternateContent xmlns:mc="http://schemas.openxmlformats.org/markup-compatibility/2006">
-        <mc:Choice xmlns:a14="http://schemas.microsoft.com/office/drawing/2010/main" Requires="a14">
+      <mc:AlternateContent xmlns:mc="http://schemas.openxmlformats.org/markup-compatibility/2006" xmlns:a14="http://schemas.microsoft.com/office/drawing/2010/main">
+        <mc:Choice Requires="a14">
           <p:sp>
             <p:nvSpPr>
               <p:cNvPr id="31" name="ZoneTexte 30"/>
@@ -13676,7 +13668,7 @@
             </p:txBody>
           </p:sp>
         </mc:Choice>
-        <mc:Fallback>
+        <mc:Fallback xmlns="">
           <p:sp>
             <p:nvSpPr>
               <p:cNvPr id="31" name="ZoneTexte 30"/>
@@ -13715,8 +13707,8 @@
           </p:sp>
         </mc:Fallback>
       </mc:AlternateContent>
-      <mc:AlternateContent xmlns:mc="http://schemas.openxmlformats.org/markup-compatibility/2006">
-        <mc:Choice xmlns:a14="http://schemas.microsoft.com/office/drawing/2010/main" Requires="a14">
+      <mc:AlternateContent xmlns:mc="http://schemas.openxmlformats.org/markup-compatibility/2006" xmlns:a14="http://schemas.microsoft.com/office/drawing/2010/main">
+        <mc:Choice Requires="a14">
           <p:sp>
             <p:nvSpPr>
               <p:cNvPr id="37" name="Rectangle 36"/>
@@ -13811,7 +13803,7 @@
             </p:txBody>
           </p:sp>
         </mc:Choice>
-        <mc:Fallback>
+        <mc:Fallback xmlns="">
           <p:sp>
             <p:nvSpPr>
               <p:cNvPr id="37" name="Rectangle 36"/>
@@ -13860,8 +13852,8 @@
             </p:nvSpPr>
             <p:spPr>
               <a:xfrm rot="1457902">
-                <a:off x="692947" y="2254771"/>
-                <a:ext cx="777842" cy="246221"/>
+                <a:off x="719076" y="2254771"/>
+                <a:ext cx="725583" cy="246221"/>
               </a:xfrm>
               <a:prstGeom prst="rect">
                 <a:avLst/>
@@ -13876,51 +13868,28 @@
               <a:p>
                 <a:r>
                   <a:rPr lang="fr-FR" sz="1000" b="0" dirty="0" smtClean="0"/>
-                  <a:t>Pivot </a:t>
+                  <a:t>Glissière </a:t>
                 </a:r>
                 <a14:m>
                   <m:oMath xmlns:m="http://schemas.openxmlformats.org/officeDocument/2006/math">
-                    <m:d>
-                      <m:dPr>
+                    <m:acc>
+                      <m:accPr>
+                        <m:chr m:val="⃗"/>
                         <m:ctrlPr>
-                          <a:rPr lang="fr-FR" sz="1000" b="0" i="1" smtClean="0">
+                          <a:rPr lang="fr-FR" sz="1000" i="1">
                             <a:latin typeface="Cambria Math"/>
                           </a:rPr>
                         </m:ctrlPr>
-                      </m:dPr>
+                      </m:accPr>
                       <m:e>
                         <m:r>
                           <a:rPr lang="fr-FR" sz="1000" b="0" i="1" smtClean="0">
                             <a:latin typeface="Cambria Math"/>
                           </a:rPr>
-                          <m:t>𝑃</m:t>
+                          <m:t>𝑥</m:t>
                         </m:r>
-                        <m:r>
-                          <a:rPr lang="fr-FR" sz="1000" b="0" i="1" smtClean="0">
-                            <a:latin typeface="Cambria Math"/>
-                          </a:rPr>
-                          <m:t>,</m:t>
-                        </m:r>
-                        <m:acc>
-                          <m:accPr>
-                            <m:chr m:val="⃗"/>
-                            <m:ctrlPr>
-                              <a:rPr lang="fr-FR" sz="1000" b="0" i="1" smtClean="0">
-                                <a:latin typeface="Cambria Math"/>
-                              </a:rPr>
-                            </m:ctrlPr>
-                          </m:accPr>
-                          <m:e>
-                            <m:r>
-                              <a:rPr lang="fr-FR" sz="1000" b="0" i="1" smtClean="0">
-                                <a:latin typeface="Cambria Math"/>
-                              </a:rPr>
-                              <m:t>𝑧</m:t>
-                            </m:r>
-                          </m:e>
-                        </m:acc>
                       </m:e>
-                    </m:d>
+                    </m:acc>
                   </m:oMath>
                 </a14:m>
                 <a:endParaRPr lang="fr-FR" sz="1000" dirty="0"/>
@@ -13939,8 +13908,8 @@
             </p:nvSpPr>
             <p:spPr>
               <a:xfrm rot="1457902">
-                <a:off x="692947" y="2254771"/>
-                <a:ext cx="777842" cy="246221"/>
+                <a:off x="719076" y="2254771"/>
+                <a:ext cx="725583" cy="246221"/>
               </a:xfrm>
               <a:prstGeom prst="rect">
                 <a:avLst/>
@@ -13948,7 +13917,7 @@
               <a:blipFill rotWithShape="1">
                 <a:blip r:embed="rId4"/>
                 <a:stretch>
-                  <a:fillRect r="-8271"/>
+                  <a:fillRect r="-13386" b="-2326"/>
                 </a:stretch>
               </a:blipFill>
             </p:spPr>
@@ -14160,20 +14129,12 @@
           <a:p>
             <a:pPr algn="ctr"/>
             <a:r>
-              <a:rPr lang="fr-FR" sz="1400" b="1" dirty="0" smtClean="0">
+              <a:rPr lang="fr-FR" sz="1400" b="1" dirty="0">
                 <a:solidFill>
                   <a:schemeClr val="accent4"/>
                 </a:solidFill>
               </a:rPr>
               <a:t>1</a:t>
-            </a:r>
-            <a:r>
-              <a:rPr lang="fr-FR" sz="1400" b="1" baseline="-25000" dirty="0" smtClean="0">
-                <a:solidFill>
-                  <a:schemeClr val="accent4"/>
-                </a:solidFill>
-              </a:rPr>
-              <a:t>a</a:t>
             </a:r>
             <a:endParaRPr lang="fr-FR" sz="1400" b="1" baseline="-25000" dirty="0">
               <a:solidFill>
@@ -14261,639 +14222,34 @@
       </p:cxnSp>
       <p:sp>
         <p:nvSpPr>
-          <p:cNvPr id="22" name="Ellipse 21"/>
+          <p:cNvPr id="17" name="Rectangle 16"/>
           <p:cNvSpPr/>
           <p:nvPr/>
         </p:nvSpPr>
         <p:spPr>
-          <a:xfrm>
-            <a:off x="1691680" y="1811564"/>
-            <a:ext cx="288032" cy="288032"/>
+          <a:xfrm rot="16200000">
+            <a:off x="1496854" y="1859907"/>
+            <a:ext cx="1067921" cy="246221"/>
           </a:xfrm>
-          <a:prstGeom prst="ellipse">
+          <a:prstGeom prst="rect">
             <a:avLst/>
           </a:prstGeom>
-          <a:solidFill>
-            <a:schemeClr val="accent4">
-              <a:lumMod val="20000"/>
-              <a:lumOff val="80000"/>
-            </a:schemeClr>
-          </a:solidFill>
-          <a:ln w="19050">
-            <a:solidFill>
-              <a:schemeClr val="accent4"/>
-            </a:solidFill>
-          </a:ln>
         </p:spPr>
-        <p:style>
-          <a:lnRef idx="2">
-            <a:schemeClr val="accent1">
-              <a:shade val="50000"/>
-            </a:schemeClr>
-          </a:lnRef>
-          <a:fillRef idx="1">
-            <a:schemeClr val="accent1"/>
-          </a:fillRef>
-          <a:effectRef idx="0">
-            <a:schemeClr val="accent1"/>
-          </a:effectRef>
-          <a:fontRef idx="minor">
-            <a:schemeClr val="lt1"/>
-          </a:fontRef>
-        </p:style>
         <p:txBody>
-          <a:bodyPr lIns="0" tIns="0" rIns="0" bIns="0" rtlCol="0" anchor="ctr"/>
+          <a:bodyPr wrap="none">
+            <a:spAutoFit/>
+          </a:bodyPr>
           <a:lstStyle/>
           <a:p>
-            <a:pPr algn="ctr"/>
+            <a:pPr/>
             <a:r>
-              <a:rPr lang="fr-FR" sz="1400" b="1" dirty="0" smtClean="0">
-                <a:solidFill>
-                  <a:schemeClr val="accent4"/>
-                </a:solidFill>
-              </a:rPr>
-              <a:t>1</a:t>
+              <a:rPr lang="fr-FR" sz="1000" dirty="0" smtClean="0"/>
+              <a:t>Poulie – courroie</a:t>
             </a:r>
-            <a:r>
-              <a:rPr lang="fr-FR" sz="1400" b="1" baseline="-25000" dirty="0" smtClean="0">
-                <a:solidFill>
-                  <a:schemeClr val="accent4"/>
-                </a:solidFill>
-              </a:rPr>
-              <a:t>b</a:t>
-            </a:r>
-            <a:endParaRPr lang="fr-FR" sz="1400" b="1" baseline="-25000" dirty="0">
-              <a:solidFill>
-                <a:schemeClr val="accent4"/>
-              </a:solidFill>
-            </a:endParaRPr>
+            <a:endParaRPr lang="fr-FR" sz="1000" dirty="0"/>
           </a:p>
         </p:txBody>
       </p:sp>
-      <mc:AlternateContent xmlns:mc="http://schemas.openxmlformats.org/markup-compatibility/2006">
-        <mc:Choice xmlns:a14="http://schemas.microsoft.com/office/drawing/2010/main" Requires="a14">
-          <p:sp>
-            <p:nvSpPr>
-              <p:cNvPr id="16" name="ZoneTexte 15"/>
-              <p:cNvSpPr txBox="1"/>
-              <p:nvPr/>
-            </p:nvSpPr>
-            <p:spPr>
-              <a:xfrm>
-                <a:off x="1979712" y="1407804"/>
-                <a:ext cx="1122550" cy="586956"/>
-              </a:xfrm>
-              <a:prstGeom prst="rect">
-                <a:avLst/>
-              </a:prstGeom>
-              <a:noFill/>
-            </p:spPr>
-            <p:txBody>
-              <a:bodyPr wrap="none" rtlCol="0">
-                <a:spAutoFit/>
-              </a:bodyPr>
-              <a:lstStyle/>
-              <a:p>
-                <a14:m>
-                  <m:oMathPara xmlns:m="http://schemas.openxmlformats.org/officeDocument/2006/math">
-                    <m:oMathParaPr>
-                      <m:jc m:val="centerGroup"/>
-                    </m:oMathParaPr>
-                    <m:oMath xmlns:m="http://schemas.openxmlformats.org/officeDocument/2006/math">
-                      <m:sSub>
-                        <m:sSubPr>
-                          <m:ctrlPr>
-                            <a:rPr lang="fr-FR" sz="1050" b="0" i="1" smtClean="0">
-                              <a:latin typeface="Cambria Math"/>
-                            </a:rPr>
-                          </m:ctrlPr>
-                        </m:sSubPr>
-                        <m:e>
-                          <m:d>
-                            <m:dPr>
-                              <m:begChr m:val="{"/>
-                              <m:endChr m:val="}"/>
-                              <m:ctrlPr>
-                                <a:rPr lang="fr-FR" sz="1050" i="1" smtClean="0">
-                                  <a:latin typeface="Cambria Math"/>
-                                </a:rPr>
-                              </m:ctrlPr>
-                            </m:dPr>
-                            <m:e>
-                              <m:m>
-                                <m:mPr>
-                                  <m:mcs>
-                                    <m:mc>
-                                      <m:mcPr>
-                                        <m:count m:val="2"/>
-                                        <m:mcJc m:val="center"/>
-                                      </m:mcPr>
-                                    </m:mc>
-                                  </m:mcs>
-                                  <m:ctrlPr>
-                                    <a:rPr lang="fr-FR" sz="1050" i="1">
-                                      <a:latin typeface="Cambria Math"/>
-                                    </a:rPr>
-                                  </m:ctrlPr>
-                                </m:mPr>
-                                <m:mr>
-                                  <m:e>
-                                    <m:r>
-                                      <m:rPr>
-                                        <m:brk m:alnAt="7"/>
-                                      </m:rPr>
-                                      <a:rPr lang="fr-FR" sz="1050" b="0" i="1" smtClean="0">
-                                        <a:latin typeface="Cambria Math"/>
-                                      </a:rPr>
-                                      <m:t>0</m:t>
-                                    </m:r>
-                                  </m:e>
-                                  <m:e>
-                                    <m:r>
-                                      <a:rPr lang="fr-FR" sz="1050" b="0" i="1" smtClean="0">
-                                        <a:latin typeface="Cambria Math"/>
-                                      </a:rPr>
-                                      <m:t>0</m:t>
-                                    </m:r>
-                                  </m:e>
-                                </m:mr>
-                                <m:mr>
-                                  <m:e>
-                                    <m:r>
-                                      <a:rPr lang="fr-FR" sz="1050" b="0" i="1" smtClean="0">
-                                        <a:latin typeface="Cambria Math"/>
-                                      </a:rPr>
-                                      <m:t>0</m:t>
-                                    </m:r>
-                                  </m:e>
-                                  <m:e>
-                                    <m:r>
-                                      <a:rPr lang="fr-FR" sz="1050" b="0" i="1" smtClean="0">
-                                        <a:latin typeface="Cambria Math"/>
-                                      </a:rPr>
-                                      <m:t>0</m:t>
-                                    </m:r>
-                                  </m:e>
-                                </m:mr>
-                                <m:mr>
-                                  <m:e>
-                                    <m:r>
-                                      <a:rPr lang="fr-FR" sz="1050" b="0" i="1" smtClean="0">
-                                        <a:latin typeface="Cambria Math"/>
-                                      </a:rPr>
-                                      <m:t>0</m:t>
-                                    </m:r>
-                                  </m:e>
-                                  <m:e>
-                                    <m:sSub>
-                                      <m:sSubPr>
-                                        <m:ctrlPr>
-                                          <a:rPr lang="fr-FR" sz="1050" i="1">
-                                            <a:latin typeface="Cambria Math"/>
-                                          </a:rPr>
-                                        </m:ctrlPr>
-                                      </m:sSubPr>
-                                      <m:e>
-                                        <m:r>
-                                          <a:rPr lang="fr-FR" sz="1050" b="0" i="1" smtClean="0">
-                                            <a:latin typeface="Cambria Math"/>
-                                          </a:rPr>
-                                          <m:t>𝑁</m:t>
-                                        </m:r>
-                                      </m:e>
-                                      <m:sub>
-                                        <m:r>
-                                          <a:rPr lang="fr-FR" sz="1050" i="1">
-                                            <a:latin typeface="Cambria Math"/>
-                                          </a:rPr>
-                                          <m:t>𝑎𝑏</m:t>
-                                        </m:r>
-                                      </m:sub>
-                                    </m:sSub>
-                                  </m:e>
-                                </m:mr>
-                              </m:m>
-                            </m:e>
-                          </m:d>
-                        </m:e>
-                        <m:sub>
-                          <m:r>
-                            <a:rPr lang="fr-FR" sz="1050" b="0" i="1" smtClean="0">
-                              <a:latin typeface="Cambria Math"/>
-                            </a:rPr>
-                            <m:t>𝑃</m:t>
-                          </m:r>
-                          <m:d>
-                            <m:dPr>
-                              <m:ctrlPr>
-                                <a:rPr lang="fr-FR" sz="1050" i="1">
-                                  <a:latin typeface="Cambria Math"/>
-                                </a:rPr>
-                              </m:ctrlPr>
-                            </m:dPr>
-                            <m:e>
-                              <m:acc>
-                                <m:accPr>
-                                  <m:chr m:val="⃗"/>
-                                  <m:ctrlPr>
-                                    <a:rPr lang="fr-FR" sz="1050" i="1">
-                                      <a:latin typeface="Cambria Math"/>
-                                    </a:rPr>
-                                  </m:ctrlPr>
-                                </m:accPr>
-                                <m:e>
-                                  <m:r>
-                                    <a:rPr lang="fr-FR" sz="1050" i="1">
-                                      <a:latin typeface="Cambria Math"/>
-                                    </a:rPr>
-                                    <m:t>𝑥</m:t>
-                                  </m:r>
-                                </m:e>
-                              </m:acc>
-                              <m:r>
-                                <a:rPr lang="fr-FR" sz="1050" i="1">
-                                  <a:latin typeface="Cambria Math"/>
-                                </a:rPr>
-                                <m:t>,</m:t>
-                              </m:r>
-                              <m:acc>
-                                <m:accPr>
-                                  <m:chr m:val="⃗"/>
-                                  <m:ctrlPr>
-                                    <a:rPr lang="fr-FR" sz="1050" i="1">
-                                      <a:latin typeface="Cambria Math"/>
-                                    </a:rPr>
-                                  </m:ctrlPr>
-                                </m:accPr>
-                                <m:e>
-                                  <m:r>
-                                    <a:rPr lang="fr-FR" sz="1050" i="1">
-                                      <a:latin typeface="Cambria Math"/>
-                                    </a:rPr>
-                                    <m:t>𝑦</m:t>
-                                  </m:r>
-                                </m:e>
-                              </m:acc>
-                              <m:r>
-                                <a:rPr lang="fr-FR" sz="1050" i="1">
-                                  <a:latin typeface="Cambria Math"/>
-                                </a:rPr>
-                                <m:t>,</m:t>
-                              </m:r>
-                              <m:acc>
-                                <m:accPr>
-                                  <m:chr m:val="⃗"/>
-                                  <m:ctrlPr>
-                                    <a:rPr lang="fr-FR" sz="1050" i="1">
-                                      <a:latin typeface="Cambria Math"/>
-                                    </a:rPr>
-                                  </m:ctrlPr>
-                                </m:accPr>
-                                <m:e>
-                                  <m:r>
-                                    <a:rPr lang="fr-FR" sz="1050" i="1">
-                                      <a:latin typeface="Cambria Math"/>
-                                    </a:rPr>
-                                    <m:t>𝑧</m:t>
-                                  </m:r>
-                                </m:e>
-                              </m:acc>
-                            </m:e>
-                          </m:d>
-                        </m:sub>
-                      </m:sSub>
-                    </m:oMath>
-                  </m:oMathPara>
-                </a14:m>
-                <a:endParaRPr lang="fr-FR" sz="1050" dirty="0"/>
-              </a:p>
-            </p:txBody>
-          </p:sp>
-        </mc:Choice>
-        <mc:Fallback>
-          <p:sp>
-            <p:nvSpPr>
-              <p:cNvPr id="16" name="ZoneTexte 15"/>
-              <p:cNvSpPr txBox="1">
-                <a:spLocks noRot="1" noChangeAspect="1" noMove="1" noResize="1" noEditPoints="1" noAdjustHandles="1" noChangeArrowheads="1" noChangeShapeType="1" noTextEdit="1"/>
-              </p:cNvSpPr>
-              <p:nvPr/>
-            </p:nvSpPr>
-            <p:spPr>
-              <a:xfrm>
-                <a:off x="1979712" y="1407804"/>
-                <a:ext cx="1122550" cy="586956"/>
-              </a:xfrm>
-              <a:prstGeom prst="rect">
-                <a:avLst/>
-              </a:prstGeom>
-              <a:blipFill rotWithShape="1">
-                <a:blip r:embed="rId5"/>
-                <a:stretch>
-                  <a:fillRect r="-543"/>
-                </a:stretch>
-              </a:blipFill>
-            </p:spPr>
-            <p:txBody>
-              <a:bodyPr/>
-              <a:lstStyle/>
-              <a:p>
-                <a:r>
-                  <a:rPr lang="fr-FR">
-                    <a:noFill/>
-                  </a:rPr>
-                  <a:t> </a:t>
-                </a:r>
-              </a:p>
-            </p:txBody>
-          </p:sp>
-        </mc:Fallback>
-      </mc:AlternateContent>
-      <mc:AlternateContent xmlns:mc="http://schemas.openxmlformats.org/markup-compatibility/2006">
-        <mc:Choice xmlns:a14="http://schemas.microsoft.com/office/drawing/2010/main" Requires="a14">
-          <p:sp>
-            <p:nvSpPr>
-              <p:cNvPr id="27" name="ZoneTexte 26"/>
-              <p:cNvSpPr txBox="1"/>
-              <p:nvPr/>
-            </p:nvSpPr>
-            <p:spPr>
-              <a:xfrm>
-                <a:off x="1979712" y="2013735"/>
-                <a:ext cx="1134734" cy="585545"/>
-              </a:xfrm>
-              <a:prstGeom prst="rect">
-                <a:avLst/>
-              </a:prstGeom>
-              <a:noFill/>
-            </p:spPr>
-            <p:txBody>
-              <a:bodyPr wrap="none" rtlCol="0">
-                <a:spAutoFit/>
-              </a:bodyPr>
-              <a:lstStyle/>
-              <a:p>
-                <a14:m>
-                  <m:oMathPara xmlns:m="http://schemas.openxmlformats.org/officeDocument/2006/math">
-                    <m:oMathParaPr>
-                      <m:jc m:val="centerGroup"/>
-                    </m:oMathParaPr>
-                    <m:oMath xmlns:m="http://schemas.openxmlformats.org/officeDocument/2006/math">
-                      <m:sSub>
-                        <m:sSubPr>
-                          <m:ctrlPr>
-                            <a:rPr lang="fr-FR" sz="1050" b="0" i="1" smtClean="0">
-                              <a:latin typeface="Cambria Math"/>
-                            </a:rPr>
-                          </m:ctrlPr>
-                        </m:sSubPr>
-                        <m:e>
-                          <m:d>
-                            <m:dPr>
-                              <m:begChr m:val="{"/>
-                              <m:endChr m:val="}"/>
-                              <m:ctrlPr>
-                                <a:rPr lang="fr-FR" sz="1050" i="1" smtClean="0">
-                                  <a:latin typeface="Cambria Math"/>
-                                </a:rPr>
-                              </m:ctrlPr>
-                            </m:dPr>
-                            <m:e>
-                              <m:m>
-                                <m:mPr>
-                                  <m:mcs>
-                                    <m:mc>
-                                      <m:mcPr>
-                                        <m:count m:val="2"/>
-                                        <m:mcJc m:val="center"/>
-                                      </m:mcPr>
-                                    </m:mc>
-                                  </m:mcs>
-                                  <m:ctrlPr>
-                                    <a:rPr lang="fr-FR" sz="1050" i="1">
-                                      <a:latin typeface="Cambria Math"/>
-                                    </a:rPr>
-                                  </m:ctrlPr>
-                                </m:mPr>
-                                <m:mr>
-                                  <m:e>
-                                    <m:r>
-                                      <m:rPr>
-                                        <m:brk m:alnAt="7"/>
-                                      </m:rPr>
-                                      <a:rPr lang="fr-FR" sz="1050" b="0" i="1" smtClean="0">
-                                        <a:latin typeface="Cambria Math"/>
-                                      </a:rPr>
-                                      <m:t>0</m:t>
-                                    </m:r>
-                                  </m:e>
-                                  <m:e>
-                                    <m:r>
-                                      <a:rPr lang="fr-FR" sz="1050" b="0" i="1" smtClean="0">
-                                        <a:latin typeface="Cambria Math"/>
-                                      </a:rPr>
-                                      <m:t>0</m:t>
-                                    </m:r>
-                                  </m:e>
-                                </m:mr>
-                                <m:mr>
-                                  <m:e>
-                                    <m:r>
-                                      <a:rPr lang="fr-FR" sz="1050" b="0" i="1" smtClean="0">
-                                        <a:latin typeface="Cambria Math"/>
-                                      </a:rPr>
-                                      <m:t>0</m:t>
-                                    </m:r>
-                                  </m:e>
-                                  <m:e>
-                                    <m:r>
-                                      <a:rPr lang="fr-FR" sz="1050" b="0" i="1" smtClean="0">
-                                        <a:latin typeface="Cambria Math"/>
-                                      </a:rPr>
-                                      <m:t>0</m:t>
-                                    </m:r>
-                                  </m:e>
-                                </m:mr>
-                                <m:mr>
-                                  <m:e>
-                                    <m:r>
-                                      <a:rPr lang="fr-FR" sz="1050" b="0" i="1" smtClean="0">
-                                        <a:latin typeface="Cambria Math"/>
-                                      </a:rPr>
-                                      <m:t>0</m:t>
-                                    </m:r>
-                                  </m:e>
-                                  <m:e>
-                                    <m:sSub>
-                                      <m:sSubPr>
-                                        <m:ctrlPr>
-                                          <a:rPr lang="fr-FR" sz="1050" i="1">
-                                            <a:latin typeface="Cambria Math"/>
-                                          </a:rPr>
-                                        </m:ctrlPr>
-                                      </m:sSubPr>
-                                      <m:e>
-                                        <m:r>
-                                          <a:rPr lang="fr-FR" sz="1050" i="1">
-                                            <a:latin typeface="Cambria Math"/>
-                                          </a:rPr>
-                                          <m:t>𝑁</m:t>
-                                        </m:r>
-                                      </m:e>
-                                      <m:sub>
-                                        <m:r>
-                                          <a:rPr lang="fr-FR" sz="1050" i="1">
-                                            <a:latin typeface="Cambria Math"/>
-                                          </a:rPr>
-                                          <m:t>𝑏</m:t>
-                                        </m:r>
-                                        <m:r>
-                                          <a:rPr lang="fr-FR" sz="1050" b="0" i="1" smtClean="0">
-                                            <a:latin typeface="Cambria Math"/>
-                                          </a:rPr>
-                                          <m:t>𝑐</m:t>
-                                        </m:r>
-                                      </m:sub>
-                                    </m:sSub>
-                                  </m:e>
-                                </m:mr>
-                              </m:m>
-                            </m:e>
-                          </m:d>
-                        </m:e>
-                        <m:sub>
-                          <m:r>
-                            <a:rPr lang="fr-FR" sz="1050" b="0" i="1" smtClean="0">
-                              <a:latin typeface="Cambria Math"/>
-                            </a:rPr>
-                            <m:t>𝑃</m:t>
-                          </m:r>
-                          <m:d>
-                            <m:dPr>
-                              <m:ctrlPr>
-                                <a:rPr lang="fr-FR" sz="1050" b="0" i="1" smtClean="0">
-                                  <a:latin typeface="Cambria Math"/>
-                                </a:rPr>
-                              </m:ctrlPr>
-                            </m:dPr>
-                            <m:e>
-                              <m:acc>
-                                <m:accPr>
-                                  <m:chr m:val="⃗"/>
-                                  <m:ctrlPr>
-                                    <a:rPr lang="fr-FR" sz="1050" i="1">
-                                      <a:latin typeface="Cambria Math"/>
-                                    </a:rPr>
-                                  </m:ctrlPr>
-                                </m:accPr>
-                                <m:e>
-                                  <m:r>
-                                    <a:rPr lang="fr-FR" sz="1050" b="0" i="1" smtClean="0">
-                                      <a:latin typeface="Cambria Math"/>
-                                    </a:rPr>
-                                    <m:t>𝑥</m:t>
-                                  </m:r>
-                                </m:e>
-                              </m:acc>
-                              <m:r>
-                                <a:rPr lang="fr-FR" sz="1050" b="0" i="1" smtClean="0">
-                                  <a:latin typeface="Cambria Math"/>
-                                </a:rPr>
-                                <m:t>,</m:t>
-                              </m:r>
-                              <m:acc>
-                                <m:accPr>
-                                  <m:chr m:val="⃗"/>
-                                  <m:ctrlPr>
-                                    <a:rPr lang="fr-FR" sz="1050" i="1">
-                                      <a:latin typeface="Cambria Math"/>
-                                    </a:rPr>
-                                  </m:ctrlPr>
-                                </m:accPr>
-                                <m:e>
-                                  <m:r>
-                                    <a:rPr lang="fr-FR" sz="1050" b="0" i="1" smtClean="0">
-                                      <a:latin typeface="Cambria Math"/>
-                                    </a:rPr>
-                                    <m:t>𝑦</m:t>
-                                  </m:r>
-                                </m:e>
-                              </m:acc>
-                              <m:r>
-                                <a:rPr lang="fr-FR" sz="1050" i="1">
-                                  <a:latin typeface="Cambria Math"/>
-                                </a:rPr>
-                                <m:t>,</m:t>
-                              </m:r>
-                              <m:acc>
-                                <m:accPr>
-                                  <m:chr m:val="⃗"/>
-                                  <m:ctrlPr>
-                                    <a:rPr lang="fr-FR" sz="1050" i="1">
-                                      <a:latin typeface="Cambria Math"/>
-                                    </a:rPr>
-                                  </m:ctrlPr>
-                                </m:accPr>
-                                <m:e>
-                                  <m:r>
-                                    <a:rPr lang="fr-FR" sz="1050" b="0" i="1" smtClean="0">
-                                      <a:latin typeface="Cambria Math"/>
-                                    </a:rPr>
-                                    <m:t>𝑧</m:t>
-                                  </m:r>
-                                </m:e>
-                              </m:acc>
-                            </m:e>
-                          </m:d>
-                        </m:sub>
-                      </m:sSub>
-                    </m:oMath>
-                  </m:oMathPara>
-                </a14:m>
-                <a:endParaRPr lang="fr-FR" sz="1050" dirty="0"/>
-              </a:p>
-            </p:txBody>
-          </p:sp>
-        </mc:Choice>
-        <mc:Fallback>
-          <p:sp>
-            <p:nvSpPr>
-              <p:cNvPr id="27" name="ZoneTexte 26"/>
-              <p:cNvSpPr txBox="1">
-                <a:spLocks noRot="1" noChangeAspect="1" noMove="1" noResize="1" noEditPoints="1" noAdjustHandles="1" noChangeArrowheads="1" noChangeShapeType="1" noTextEdit="1"/>
-              </p:cNvSpPr>
-              <p:nvPr/>
-            </p:nvSpPr>
-            <p:spPr>
-              <a:xfrm>
-                <a:off x="1979712" y="2013735"/>
-                <a:ext cx="1134734" cy="585545"/>
-              </a:xfrm>
-              <a:prstGeom prst="rect">
-                <a:avLst/>
-              </a:prstGeom>
-              <a:blipFill rotWithShape="1">
-                <a:blip r:embed="rId6"/>
-                <a:stretch>
-                  <a:fillRect/>
-                </a:stretch>
-              </a:blipFill>
-            </p:spPr>
-            <p:txBody>
-              <a:bodyPr/>
-              <a:lstStyle/>
-              <a:p>
-                <a:r>
-                  <a:rPr lang="fr-FR">
-                    <a:noFill/>
-                  </a:rPr>
-                  <a:t> </a:t>
-                </a:r>
-              </a:p>
-            </p:txBody>
-          </p:sp>
-        </mc:Fallback>
-      </mc:AlternateContent>
     </p:spTree>
     <p:extLst>
       <p:ext uri="{BB962C8B-B14F-4D97-AF65-F5344CB8AC3E}">
